--- a/Sprint_1.pptx
+++ b/Sprint_1.pptx
@@ -5,7 +5,7 @@
     <p:sldMasterId id="2147483660" r:id="rId1"/>
   </p:sldMasterIdLst>
   <p:notesMasterIdLst>
-    <p:notesMasterId r:id="rId18"/>
+    <p:notesMasterId r:id="rId15"/>
   </p:notesMasterIdLst>
   <p:sldIdLst>
     <p:sldId id="259" r:id="rId2"/>
@@ -15,15 +15,12 @@
     <p:sldId id="266" r:id="rId6"/>
     <p:sldId id="267" r:id="rId7"/>
     <p:sldId id="268" r:id="rId8"/>
-    <p:sldId id="269" r:id="rId9"/>
-    <p:sldId id="270" r:id="rId10"/>
-    <p:sldId id="271" r:id="rId11"/>
-    <p:sldId id="272" r:id="rId12"/>
-    <p:sldId id="273" r:id="rId13"/>
-    <p:sldId id="275" r:id="rId14"/>
-    <p:sldId id="274" r:id="rId15"/>
-    <p:sldId id="264" r:id="rId16"/>
-    <p:sldId id="276" r:id="rId17"/>
+    <p:sldId id="272" r:id="rId9"/>
+    <p:sldId id="273" r:id="rId10"/>
+    <p:sldId id="275" r:id="rId11"/>
+    <p:sldId id="274" r:id="rId12"/>
+    <p:sldId id="264" r:id="rId13"/>
+    <p:sldId id="276" r:id="rId14"/>
   </p:sldIdLst>
   <p:sldSz cx="17338675" cy="9753600"/>
   <p:notesSz cx="6858000" cy="9144000"/>
@@ -141,6 +138,10 @@
 </p:presentation>
 </file>
 
+<file path=ppt/revisionInfo.xml><?xml version="1.0" encoding="utf-8"?>
+<p1510:revInfo xmlns:a="http://schemas.openxmlformats.org/drawingml/2006/main" xmlns:r="http://schemas.openxmlformats.org/officeDocument/2006/relationships" xmlns:p1510="http://schemas.microsoft.com/office/powerpoint/2015/10/main"/>
+</file>
+
 <file path=ppt/notesMasters/notesMaster1.xml><?xml version="1.0" encoding="utf-8"?>
 <p:notesMaster xmlns:a="http://schemas.openxmlformats.org/drawingml/2006/main" xmlns:r="http://schemas.openxmlformats.org/officeDocument/2006/relationships" xmlns:p="http://schemas.openxmlformats.org/presentationml/2006/main">
   <p:cSld>
@@ -223,7 +224,7 @@
           <a:p>
             <a:fld id="{86680C0C-85DF-417F-8238-DB0D15743621}" type="datetimeFigureOut">
               <a:rPr lang="en-GB" smtClean="0"/>
-              <a:t>18/04/2018</a:t>
+              <a:t>19/04/2018</a:t>
             </a:fld>
             <a:endParaRPr lang="en-GB"/>
           </a:p>
@@ -382,7 +383,7 @@
           <a:p>
             <a:fld id="{539A0A48-EDB1-4AFE-B1B7-10CE2A416496}" type="slidenum">
               <a:rPr lang="en-GB" smtClean="0"/>
-              <a:t>‹#›</a:t>
+              <a:t>‹nr.›</a:t>
             </a:fld>
             <a:endParaRPr lang="en-GB"/>
           </a:p>
@@ -808,7 +809,7 @@
           <a:p>
             <a:fld id="{539A0A48-EDB1-4AFE-B1B7-10CE2A416496}" type="slidenum">
               <a:rPr lang="en-GB" smtClean="0"/>
-              <a:t>11</a:t>
+              <a:t>8</a:t>
             </a:fld>
             <a:endParaRPr lang="en-GB"/>
           </a:p>
@@ -861,7 +862,7 @@
           <a:p>
             <a:fld id="{5A24147F-ED97-47AF-A1B3-C82A179CF7F3}" type="datetime1">
               <a:rPr lang="nl-NL" smtClean="0"/>
-              <a:t>18-4-2018</a:t>
+              <a:t>19-4-2018</a:t>
             </a:fld>
             <a:endParaRPr lang="en-GB"/>
           </a:p>
@@ -903,7 +904,7 @@
           <a:p>
             <a:fld id="{7AE184E0-0BD4-4705-A12B-9B71DDE63301}" type="slidenum">
               <a:rPr lang="en-GB" smtClean="0"/>
-              <a:t>‹#›</a:t>
+              <a:t>‹nr.›</a:t>
             </a:fld>
             <a:endParaRPr lang="en-GB"/>
           </a:p>
@@ -1686,7 +1687,7 @@
             <a:fld id="{7AE184E0-0BD4-4705-A12B-9B71DDE63301}" type="slidenum">
               <a:rPr lang="nl-BE" noProof="0" smtClean="0"/>
               <a:pPr/>
-              <a:t>‹#›</a:t>
+              <a:t>‹nr.›</a:t>
             </a:fld>
             <a:endParaRPr lang="nl-BE" noProof="0" dirty="0"/>
           </a:p>
@@ -1939,7 +1940,7 @@
           <a:p>
             <a:fld id="{25470885-0B31-4E06-AE71-7E16801F2838}" type="datetime1">
               <a:rPr lang="nl-BE" noProof="0" smtClean="0"/>
-              <a:t>18/04/2018</a:t>
+              <a:t>19/04/2018</a:t>
             </a:fld>
             <a:endParaRPr lang="nl-BE" noProof="0" dirty="0"/>
           </a:p>
@@ -1981,7 +1982,7 @@
           <a:p>
             <a:fld id="{7AE184E0-0BD4-4705-A12B-9B71DDE63301}" type="slidenum">
               <a:rPr lang="nl-BE" noProof="0" smtClean="0"/>
-              <a:t>‹#›</a:t>
+              <a:t>‹nr.›</a:t>
             </a:fld>
             <a:endParaRPr lang="nl-BE" noProof="0" dirty="0"/>
           </a:p>
@@ -2057,7 +2058,7 @@
           <a:p>
             <a:fld id="{E7410F60-8C93-4C37-B51A-4DDAE36F7E9B}" type="datetime1">
               <a:rPr lang="nl-BE" noProof="0" smtClean="0"/>
-              <a:t>18/04/2018</a:t>
+              <a:t>19/04/2018</a:t>
             </a:fld>
             <a:endParaRPr lang="nl-BE" noProof="0" dirty="0"/>
           </a:p>
@@ -2154,7 +2155,7 @@
             <a:fld id="{7AE184E0-0BD4-4705-A12B-9B71DDE63301}" type="slidenum">
               <a:rPr lang="nl-BE" noProof="0" smtClean="0"/>
               <a:pPr/>
-              <a:t>‹#›</a:t>
+              <a:t>‹nr.›</a:t>
             </a:fld>
             <a:endParaRPr lang="nl-BE" noProof="0" dirty="0"/>
           </a:p>
@@ -2336,7 +2337,7 @@
           <a:p>
             <a:fld id="{656594B6-17DF-4759-A7A5-128AFEA77F2C}" type="datetime1">
               <a:rPr lang="nl-BE" noProof="0" smtClean="0"/>
-              <a:t>18/04/2018</a:t>
+              <a:t>19/04/2018</a:t>
             </a:fld>
             <a:endParaRPr lang="nl-BE" noProof="0" dirty="0"/>
           </a:p>
@@ -2378,7 +2379,7 @@
           <a:p>
             <a:fld id="{7AE184E0-0BD4-4705-A12B-9B71DDE63301}" type="slidenum">
               <a:rPr lang="nl-BE" noProof="0" smtClean="0"/>
-              <a:t>‹#›</a:t>
+              <a:t>‹nr.›</a:t>
             </a:fld>
             <a:endParaRPr lang="nl-BE" noProof="0" dirty="0"/>
           </a:p>
@@ -2477,7 +2478,7 @@
           <a:p>
             <a:fld id="{66A81384-1200-4D40-BEF0-3A17A1F906F4}" type="datetime1">
               <a:rPr lang="nl-NL" noProof="0" smtClean="0"/>
-              <a:t>18-4-2018</a:t>
+              <a:t>19-4-2018</a:t>
             </a:fld>
             <a:endParaRPr lang="nl-NL" noProof="0" dirty="0"/>
           </a:p>
@@ -3018,7 +3019,7 @@
           <a:p>
             <a:fld id="{FA870D1A-A3AB-4E9F-892E-C45B5A80FDBF}" type="datetime1">
               <a:rPr lang="nl-BE" noProof="0" smtClean="0"/>
-              <a:t>18/04/2018</a:t>
+              <a:t>19/04/2018</a:t>
             </a:fld>
             <a:endParaRPr lang="nl-BE" noProof="0" dirty="0"/>
           </a:p>
@@ -3095,7 +3096,7 @@
             <a:fld id="{7AE184E0-0BD4-4705-A12B-9B71DDE63301}" type="slidenum">
               <a:rPr lang="nl-BE" noProof="0" smtClean="0"/>
               <a:pPr/>
-              <a:t>‹#›</a:t>
+              <a:t>‹nr.›</a:t>
             </a:fld>
             <a:endParaRPr lang="nl-BE" noProof="0" dirty="0"/>
           </a:p>
@@ -3733,7 +3734,7 @@
           <a:p>
             <a:r>
               <a:rPr lang="nl-NL" dirty="0"/>
-              <a:t>Taakverdeling</a:t>
+              <a:t>User Stories</a:t>
             </a:r>
           </a:p>
         </p:txBody>
@@ -3751,74 +3752,20 @@
         <p:spPr/>
         <p:txBody>
           <a:bodyPr>
-            <a:normAutofit lnSpcReduction="10000"/>
+            <a:normAutofit/>
           </a:bodyPr>
           <a:lstStyle/>
           <a:p>
             <a:r>
               <a:rPr lang="nl-NL" dirty="0"/>
-              <a:t>Garben</a:t>
-            </a:r>
-          </a:p>
-          <a:p>
-            <a:pPr lvl="1"/>
-            <a:r>
-              <a:rPr lang="nl-NL" sz="4000" dirty="0"/>
-              <a:t>User Model</a:t>
-            </a:r>
-          </a:p>
-          <a:p>
-            <a:pPr lvl="1"/>
-            <a:r>
-              <a:rPr lang="nl-NL" sz="4000" dirty="0"/>
-              <a:t>Quiz Model</a:t>
-            </a:r>
-          </a:p>
-          <a:p>
-            <a:pPr lvl="1"/>
-            <a:r>
-              <a:rPr lang="nl-NL" sz="4000" dirty="0"/>
-              <a:t>Create Account Scene</a:t>
-            </a:r>
-          </a:p>
-          <a:p>
-            <a:pPr lvl="1"/>
-            <a:r>
-              <a:rPr lang="nl-NL" sz="4000" dirty="0"/>
-              <a:t>Mode Selector Scene</a:t>
-            </a:r>
-          </a:p>
-          <a:p>
-            <a:pPr lvl="1"/>
-            <a:r>
-              <a:rPr lang="nl-NL" sz="4000" dirty="0"/>
-              <a:t>Create Quiz Scene</a:t>
-            </a:r>
-          </a:p>
-          <a:p>
-            <a:pPr lvl="1"/>
-            <a:r>
-              <a:rPr lang="nl-NL" sz="4000" dirty="0"/>
-              <a:t>Join Quiz Scene</a:t>
-            </a:r>
-          </a:p>
-          <a:p>
-            <a:pPr lvl="1"/>
-            <a:r>
-              <a:rPr lang="nl-NL" sz="4000" dirty="0"/>
-              <a:t>Main</a:t>
-            </a:r>
-          </a:p>
-          <a:p>
-            <a:pPr lvl="1"/>
-            <a:r>
-              <a:rPr lang="nl-NL" sz="4000" dirty="0"/>
-              <a:t>Context</a:t>
-            </a:r>
-          </a:p>
-          <a:p>
-            <a:pPr lvl="1"/>
-            <a:endParaRPr lang="nl-NL" dirty="0"/>
+              <a:t>Log in (opgeslagen accounts)</a:t>
+            </a:r>
+          </a:p>
+          <a:p>
+            <a:r>
+              <a:rPr lang="nl-NL" dirty="0"/>
+              <a:t>Prijsuitreiking</a:t>
+            </a:r>
           </a:p>
         </p:txBody>
       </p:sp>
@@ -3848,7 +3795,7 @@
     </p:spTree>
     <p:extLst>
       <p:ext uri="{BB962C8B-B14F-4D97-AF65-F5344CB8AC3E}">
-        <p14:creationId xmlns:p14="http://schemas.microsoft.com/office/powerpoint/2010/main" val="667196800"/>
+        <p14:creationId xmlns:p14="http://schemas.microsoft.com/office/powerpoint/2010/main" val="3983678525"/>
       </p:ext>
     </p:extLst>
   </p:cSld>
@@ -3877,12 +3824,12 @@
       </p:grpSpPr>
       <p:sp>
         <p:nvSpPr>
-          <p:cNvPr id="8" name="Titel 7"/>
-          <p:cNvSpPr>
-            <a:spLocks noGrp="1"/>
-          </p:cNvSpPr>
-          <p:nvPr>
-            <p:ph type="ctrTitle"/>
+          <p:cNvPr id="2" name="Titel 1"/>
+          <p:cNvSpPr>
+            <a:spLocks noGrp="1"/>
+          </p:cNvSpPr>
+          <p:nvPr>
+            <p:ph type="title"/>
           </p:nvPr>
         </p:nvSpPr>
         <p:spPr/>
@@ -3892,83 +3839,7 @@
           <a:p>
             <a:r>
               <a:rPr lang="nl-NL" dirty="0"/>
-              <a:t>Sprint 2</a:t>
-            </a:r>
-          </a:p>
-        </p:txBody>
-      </p:sp>
-      <p:sp>
-        <p:nvSpPr>
-          <p:cNvPr id="5" name="Slide Number Placeholder 4"/>
-          <p:cNvSpPr>
-            <a:spLocks noGrp="1"/>
-          </p:cNvSpPr>
-          <p:nvPr>
-            <p:ph type="sldNum" sz="quarter" idx="4"/>
-          </p:nvPr>
-        </p:nvSpPr>
-        <p:spPr/>
-        <p:txBody>
-          <a:bodyPr/>
-          <a:lstStyle/>
-          <a:p>
-            <a:fld id="{7AE184E0-0BD4-4705-A12B-9B71DDE63301}" type="slidenum">
-              <a:rPr lang="nl-BE" smtClean="0"/>
-              <a:pPr/>
-              <a:t>11</a:t>
-            </a:fld>
-            <a:endParaRPr lang="nl-BE" dirty="0"/>
-          </a:p>
-        </p:txBody>
-      </p:sp>
-    </p:spTree>
-    <p:extLst>
-      <p:ext uri="{BB962C8B-B14F-4D97-AF65-F5344CB8AC3E}">
-        <p14:creationId xmlns:p14="http://schemas.microsoft.com/office/powerpoint/2010/main" val="1953289091"/>
-      </p:ext>
-    </p:extLst>
-  </p:cSld>
-  <p:clrMapOvr>
-    <a:masterClrMapping/>
-  </p:clrMapOvr>
-</p:sld>
-</file>
-
-<file path=ppt/slides/slide12.xml><?xml version="1.0" encoding="utf-8"?>
-<p:sld xmlns:a="http://schemas.openxmlformats.org/drawingml/2006/main" xmlns:r="http://schemas.openxmlformats.org/officeDocument/2006/relationships" xmlns:p="http://schemas.openxmlformats.org/presentationml/2006/main">
-  <p:cSld>
-    <p:spTree>
-      <p:nvGrpSpPr>
-        <p:cNvPr id="1" name=""/>
-        <p:cNvGrpSpPr/>
-        <p:nvPr/>
-      </p:nvGrpSpPr>
-      <p:grpSpPr>
-        <a:xfrm>
-          <a:off x="0" y="0"/>
-          <a:ext cx="0" cy="0"/>
-          <a:chOff x="0" y="0"/>
-          <a:chExt cx="0" cy="0"/>
-        </a:xfrm>
-      </p:grpSpPr>
-      <p:sp>
-        <p:nvSpPr>
-          <p:cNvPr id="2" name="Titel 1"/>
-          <p:cNvSpPr>
-            <a:spLocks noGrp="1"/>
-          </p:cNvSpPr>
-          <p:nvPr>
-            <p:ph type="title"/>
-          </p:nvPr>
-        </p:nvSpPr>
-        <p:spPr/>
-        <p:txBody>
-          <a:bodyPr/>
-          <a:lstStyle/>
-          <a:p>
-            <a:r>
-              <a:rPr lang="nl-NL" dirty="0"/>
-              <a:t>Algemeen</a:t>
+              <a:t>TaakVerdeling</a:t>
             </a:r>
           </a:p>
         </p:txBody>
@@ -3992,37 +3863,60 @@
           <a:p>
             <a:r>
               <a:rPr lang="nl-NL" dirty="0"/>
+              <a:t>Arthur</a:t>
+            </a:r>
+          </a:p>
+          <a:p>
+            <a:pPr lvl="1"/>
+            <a:r>
+              <a:rPr lang="nl-NL" sz="4000" dirty="0"/>
               <a:t>Team chat</a:t>
             </a:r>
           </a:p>
           <a:p>
             <a:r>
               <a:rPr lang="nl-NL" dirty="0"/>
-              <a:t>2</a:t>
-            </a:r>
-            <a:r>
-              <a:rPr lang="nl-NL" baseline="30000" dirty="0"/>
-              <a:t>de</a:t>
-            </a:r>
+              <a:t>Hannes</a:t>
+            </a:r>
+          </a:p>
+          <a:p>
+            <a:pPr lvl="1"/>
+            <a:r>
+              <a:rPr lang="nl-NL" sz="4400" dirty="0"/>
+              <a:t>Quizmaster view </a:t>
+            </a:r>
+          </a:p>
+          <a:p>
             <a:r>
               <a:rPr lang="nl-NL" dirty="0"/>
-              <a:t> soort vraag (InstaPixel)</a:t>
-            </a:r>
-          </a:p>
-          <a:p>
-            <a:r>
-              <a:rPr lang="nl-NL" dirty="0"/>
-              <a:t>Events herordenen</a:t>
-            </a:r>
-          </a:p>
-          <a:p>
-            <a:r>
-              <a:rPr lang="nl-NL" dirty="0"/>
-              <a:t>Tests schrijven</a:t>
-            </a:r>
-          </a:p>
-          <a:p>
+              <a:t>Emiel</a:t>
+            </a:r>
+          </a:p>
+          <a:p>
+            <a:pPr lvl="1"/>
+            <a:r>
+              <a:rPr lang="nl-NL" sz="4000" dirty="0" err="1"/>
+              <a:t>InstaPixel</a:t>
+            </a:r>
+            <a:endParaRPr lang="nl-NL" sz="4000" dirty="0"/>
+          </a:p>
+          <a:p>
+            <a:r>
+              <a:rPr lang="nl-NL" dirty="0" err="1"/>
+              <a:t>Garben</a:t>
+            </a:r>
             <a:endParaRPr lang="nl-NL" dirty="0"/>
+          </a:p>
+          <a:p>
+            <a:pPr lvl="1"/>
+            <a:r>
+              <a:rPr lang="nl-NL" sz="4000" dirty="0"/>
+              <a:t>Log in (opgeslagen accounts)</a:t>
+            </a:r>
+          </a:p>
+          <a:p>
+            <a:pPr lvl="1"/>
+            <a:endParaRPr lang="nl-NL" sz="4000" dirty="0"/>
           </a:p>
         </p:txBody>
       </p:sp>
@@ -4043,261 +3937,7 @@
           <a:p>
             <a:fld id="{7AE184E0-0BD4-4705-A12B-9B71DDE63301}" type="slidenum">
               <a:rPr lang="nl-BE" noProof="0" smtClean="0"/>
-              <a:t>12</a:t>
-            </a:fld>
-            <a:endParaRPr lang="nl-BE" noProof="0" dirty="0"/>
-          </a:p>
-        </p:txBody>
-      </p:sp>
-    </p:spTree>
-    <p:extLst>
-      <p:ext uri="{BB962C8B-B14F-4D97-AF65-F5344CB8AC3E}">
-        <p14:creationId xmlns:p14="http://schemas.microsoft.com/office/powerpoint/2010/main" val="907875414"/>
-      </p:ext>
-    </p:extLst>
-  </p:cSld>
-  <p:clrMapOvr>
-    <a:masterClrMapping/>
-  </p:clrMapOvr>
-</p:sld>
-</file>
-
-<file path=ppt/slides/slide13.xml><?xml version="1.0" encoding="utf-8"?>
-<p:sld xmlns:a="http://schemas.openxmlformats.org/drawingml/2006/main" xmlns:r="http://schemas.openxmlformats.org/officeDocument/2006/relationships" xmlns:p="http://schemas.openxmlformats.org/presentationml/2006/main">
-  <p:cSld>
-    <p:spTree>
-      <p:nvGrpSpPr>
-        <p:cNvPr id="1" name=""/>
-        <p:cNvGrpSpPr/>
-        <p:nvPr/>
-      </p:nvGrpSpPr>
-      <p:grpSpPr>
-        <a:xfrm>
-          <a:off x="0" y="0"/>
-          <a:ext cx="0" cy="0"/>
-          <a:chOff x="0" y="0"/>
-          <a:chExt cx="0" cy="0"/>
-        </a:xfrm>
-      </p:grpSpPr>
-      <p:sp>
-        <p:nvSpPr>
-          <p:cNvPr id="2" name="Titel 1"/>
-          <p:cNvSpPr>
-            <a:spLocks noGrp="1"/>
-          </p:cNvSpPr>
-          <p:nvPr>
-            <p:ph type="title"/>
-          </p:nvPr>
-        </p:nvSpPr>
-        <p:spPr/>
-        <p:txBody>
-          <a:bodyPr/>
-          <a:lstStyle/>
-          <a:p>
-            <a:r>
-              <a:rPr lang="nl-NL" dirty="0"/>
-              <a:t>User Stories</a:t>
-            </a:r>
-          </a:p>
-        </p:txBody>
-      </p:sp>
-      <p:sp>
-        <p:nvSpPr>
-          <p:cNvPr id="3" name="Tijdelijke aanduiding voor inhoud 2"/>
-          <p:cNvSpPr>
-            <a:spLocks noGrp="1"/>
-          </p:cNvSpPr>
-          <p:nvPr>
-            <p:ph idx="1"/>
-          </p:nvPr>
-        </p:nvSpPr>
-        <p:spPr/>
-        <p:txBody>
-          <a:bodyPr>
-            <a:normAutofit/>
-          </a:bodyPr>
-          <a:lstStyle/>
-          <a:p>
-            <a:r>
-              <a:rPr lang="nl-NL" dirty="0"/>
-              <a:t>Log in (opgeslagen accounts)</a:t>
-            </a:r>
-          </a:p>
-          <a:p>
-            <a:r>
-              <a:rPr lang="nl-NL" dirty="0"/>
-              <a:t>Prijsuitreiking</a:t>
-            </a:r>
-          </a:p>
-        </p:txBody>
-      </p:sp>
-      <p:sp>
-        <p:nvSpPr>
-          <p:cNvPr id="4" name="Tijdelijke aanduiding voor dianummer 3"/>
-          <p:cNvSpPr>
-            <a:spLocks noGrp="1"/>
-          </p:cNvSpPr>
-          <p:nvPr>
-            <p:ph type="sldNum" sz="quarter" idx="12"/>
-          </p:nvPr>
-        </p:nvSpPr>
-        <p:spPr/>
-        <p:txBody>
-          <a:bodyPr/>
-          <a:lstStyle/>
-          <a:p>
-            <a:fld id="{7AE184E0-0BD4-4705-A12B-9B71DDE63301}" type="slidenum">
-              <a:rPr lang="nl-BE" noProof="0" smtClean="0"/>
-              <a:t>13</a:t>
-            </a:fld>
-            <a:endParaRPr lang="nl-BE" noProof="0" dirty="0"/>
-          </a:p>
-        </p:txBody>
-      </p:sp>
-    </p:spTree>
-    <p:extLst>
-      <p:ext uri="{BB962C8B-B14F-4D97-AF65-F5344CB8AC3E}">
-        <p14:creationId xmlns:p14="http://schemas.microsoft.com/office/powerpoint/2010/main" val="3983678525"/>
-      </p:ext>
-    </p:extLst>
-  </p:cSld>
-  <p:clrMapOvr>
-    <a:masterClrMapping/>
-  </p:clrMapOvr>
-</p:sld>
-</file>
-
-<file path=ppt/slides/slide14.xml><?xml version="1.0" encoding="utf-8"?>
-<p:sld xmlns:a="http://schemas.openxmlformats.org/drawingml/2006/main" xmlns:r="http://schemas.openxmlformats.org/officeDocument/2006/relationships" xmlns:p="http://schemas.openxmlformats.org/presentationml/2006/main">
-  <p:cSld>
-    <p:spTree>
-      <p:nvGrpSpPr>
-        <p:cNvPr id="1" name=""/>
-        <p:cNvGrpSpPr/>
-        <p:nvPr/>
-      </p:nvGrpSpPr>
-      <p:grpSpPr>
-        <a:xfrm>
-          <a:off x="0" y="0"/>
-          <a:ext cx="0" cy="0"/>
-          <a:chOff x="0" y="0"/>
-          <a:chExt cx="0" cy="0"/>
-        </a:xfrm>
-      </p:grpSpPr>
-      <p:sp>
-        <p:nvSpPr>
-          <p:cNvPr id="2" name="Titel 1"/>
-          <p:cNvSpPr>
-            <a:spLocks noGrp="1"/>
-          </p:cNvSpPr>
-          <p:nvPr>
-            <p:ph type="title"/>
-          </p:nvPr>
-        </p:nvSpPr>
-        <p:spPr/>
-        <p:txBody>
-          <a:bodyPr/>
-          <a:lstStyle/>
-          <a:p>
-            <a:r>
-              <a:rPr lang="nl-NL" dirty="0"/>
-              <a:t>TaakVerdeling</a:t>
-            </a:r>
-          </a:p>
-        </p:txBody>
-      </p:sp>
-      <p:sp>
-        <p:nvSpPr>
-          <p:cNvPr id="3" name="Tijdelijke aanduiding voor inhoud 2"/>
-          <p:cNvSpPr>
-            <a:spLocks noGrp="1"/>
-          </p:cNvSpPr>
-          <p:nvPr>
-            <p:ph idx="1"/>
-          </p:nvPr>
-        </p:nvSpPr>
-        <p:spPr/>
-        <p:txBody>
-          <a:bodyPr>
-            <a:normAutofit/>
-          </a:bodyPr>
-          <a:lstStyle/>
-          <a:p>
-            <a:r>
-              <a:rPr lang="nl-NL" dirty="0"/>
-              <a:t>Arthur</a:t>
-            </a:r>
-          </a:p>
-          <a:p>
-            <a:pPr lvl="1"/>
-            <a:r>
-              <a:rPr lang="nl-NL" sz="4000" dirty="0"/>
-              <a:t>Team chat</a:t>
-            </a:r>
-          </a:p>
-          <a:p>
-            <a:r>
-              <a:rPr lang="nl-NL" dirty="0"/>
-              <a:t>Hannes</a:t>
-            </a:r>
-          </a:p>
-          <a:p>
-            <a:pPr lvl="1"/>
-            <a:r>
-              <a:rPr lang="nl-NL" sz="4000" dirty="0"/>
-              <a:t>InstaPixel</a:t>
-            </a:r>
-          </a:p>
-          <a:p>
-            <a:r>
-              <a:rPr lang="nl-NL" dirty="0"/>
-              <a:t>Emiel</a:t>
-            </a:r>
-          </a:p>
-          <a:p>
-            <a:pPr lvl="1"/>
-            <a:r>
-              <a:rPr lang="nl-NL" sz="4000" dirty="0"/>
-              <a:t>Prijsuitreiking</a:t>
-            </a:r>
-          </a:p>
-          <a:p>
-            <a:r>
-              <a:rPr lang="nl-NL" dirty="0"/>
-              <a:t>Garben</a:t>
-            </a:r>
-          </a:p>
-          <a:p>
-            <a:pPr lvl="1"/>
-            <a:r>
-              <a:rPr lang="nl-NL" sz="4000" dirty="0"/>
-              <a:t>Log in (opgeslagen accounts)</a:t>
-            </a:r>
-          </a:p>
-          <a:p>
-            <a:pPr lvl="1"/>
-            <a:endParaRPr lang="nl-NL" sz="4000" dirty="0"/>
-          </a:p>
-        </p:txBody>
-      </p:sp>
-      <p:sp>
-        <p:nvSpPr>
-          <p:cNvPr id="4" name="Tijdelijke aanduiding voor dianummer 3"/>
-          <p:cNvSpPr>
-            <a:spLocks noGrp="1"/>
-          </p:cNvSpPr>
-          <p:nvPr>
-            <p:ph type="sldNum" sz="quarter" idx="12"/>
-          </p:nvPr>
-        </p:nvSpPr>
-        <p:spPr/>
-        <p:txBody>
-          <a:bodyPr/>
-          <a:lstStyle/>
-          <a:p>
-            <a:fld id="{7AE184E0-0BD4-4705-A12B-9B71DDE63301}" type="slidenum">
-              <a:rPr lang="nl-BE" noProof="0" smtClean="0"/>
-              <a:t>14</a:t>
+              <a:t>11</a:t>
             </a:fld>
             <a:endParaRPr lang="nl-BE" noProof="0" dirty="0"/>
           </a:p>
@@ -4316,7 +3956,7 @@
 </p:sld>
 </file>
 
-<file path=ppt/slides/slide15.xml><?xml version="1.0" encoding="utf-8"?>
+<file path=ppt/slides/slide12.xml><?xml version="1.0" encoding="utf-8"?>
 <p:sld xmlns:a="http://schemas.openxmlformats.org/drawingml/2006/main" xmlns:r="http://schemas.openxmlformats.org/officeDocument/2006/relationships" xmlns:p="http://schemas.openxmlformats.org/presentationml/2006/main">
   <p:cSld>
     <p:spTree>
@@ -4572,7 +4212,7 @@
 </p:sld>
 </file>
 
-<file path=ppt/slides/slide16.xml><?xml version="1.0" encoding="utf-8"?>
+<file path=ppt/slides/slide13.xml><?xml version="1.0" encoding="utf-8"?>
 <p:sld xmlns:a="http://schemas.openxmlformats.org/drawingml/2006/main" xmlns:r="http://schemas.openxmlformats.org/officeDocument/2006/relationships" xmlns:p="http://schemas.openxmlformats.org/presentationml/2006/main">
   <p:cSld>
     <p:spTree>
@@ -5151,7 +4791,12 @@
             <p:ph idx="1"/>
           </p:nvPr>
         </p:nvSpPr>
-        <p:spPr/>
+        <p:spPr>
+          <a:xfrm>
+            <a:off x="835825" y="1194364"/>
+            <a:ext cx="16199572" cy="7085340"/>
+          </a:xfrm>
+        </p:spPr>
         <p:txBody>
           <a:bodyPr>
             <a:normAutofit/>
@@ -5166,17 +4811,89 @@
           <a:p>
             <a:pPr lvl="1"/>
             <a:r>
+              <a:rPr lang="nl-NL" sz="4000" dirty="0" err="1"/>
+              <a:t>ScoreBoard</a:t>
+            </a:r>
+            <a:r>
               <a:rPr lang="nl-NL" sz="4000" dirty="0"/>
-              <a:t>ScoreBoard Scene</a:t>
+              <a:t> + </a:t>
+            </a:r>
+            <a:r>
+              <a:rPr lang="nl-NL" sz="4000" dirty="0" err="1"/>
+              <a:t>network</a:t>
+            </a:r>
+            <a:r>
+              <a:rPr lang="nl-NL" sz="4000" dirty="0"/>
+              <a:t>: </a:t>
+            </a:r>
+            <a:r>
+              <a:rPr lang="nl-NL" sz="4000" dirty="0" err="1"/>
+              <a:t>client</a:t>
+            </a:r>
+            <a:r>
+              <a:rPr lang="nl-NL" sz="4000" dirty="0"/>
+              <a:t> - server</a:t>
+            </a:r>
+          </a:p>
+          <a:p>
+            <a:r>
+              <a:rPr lang="nl-NL" sz="4400" dirty="0"/>
+              <a:t>Hannes</a:t>
             </a:r>
           </a:p>
           <a:p>
             <a:pPr lvl="1"/>
             <a:r>
               <a:rPr lang="nl-NL" sz="4000" dirty="0"/>
-              <a:t>Chat</a:t>
-            </a:r>
-            <a:endParaRPr lang="nl-NL" dirty="0"/>
+              <a:t>Quizroom</a:t>
+            </a:r>
+          </a:p>
+          <a:p>
+            <a:r>
+              <a:rPr lang="nl-NL" sz="4000" dirty="0"/>
+              <a:t>Emiel</a:t>
+            </a:r>
+          </a:p>
+          <a:p>
+            <a:pPr lvl="1"/>
+            <a:r>
+              <a:rPr lang="nl-NL" sz="4000" dirty="0"/>
+              <a:t>Question form</a:t>
+            </a:r>
+          </a:p>
+          <a:p>
+            <a:r>
+              <a:rPr lang="nl-NL" sz="4000" dirty="0" err="1"/>
+              <a:t>Garben</a:t>
+            </a:r>
+            <a:endParaRPr lang="nl-NL" sz="4000" dirty="0"/>
+          </a:p>
+          <a:p>
+            <a:pPr lvl="1"/>
+            <a:r>
+              <a:rPr lang="nl-NL" sz="4000" dirty="0"/>
+              <a:t>Log in + quiz </a:t>
+            </a:r>
+            <a:r>
+              <a:rPr lang="nl-NL" sz="4000" dirty="0" err="1"/>
+              <a:t>create</a:t>
+            </a:r>
+            <a:r>
+              <a:rPr lang="nl-NL" sz="4000" dirty="0"/>
+              <a:t>/</a:t>
+            </a:r>
+            <a:r>
+              <a:rPr lang="nl-NL" sz="4000" dirty="0" err="1"/>
+              <a:t>join</a:t>
+            </a:r>
+            <a:endParaRPr lang="nl-NL" sz="4000" dirty="0"/>
+          </a:p>
+          <a:p>
+            <a:endParaRPr lang="nl-NL" sz="4000" dirty="0"/>
+          </a:p>
+          <a:p>
+            <a:pPr lvl="1"/>
+            <a:endParaRPr lang="nl-NL" sz="4000" dirty="0"/>
           </a:p>
         </p:txBody>
       </p:sp>
@@ -5235,12 +4952,12 @@
       </p:grpSpPr>
       <p:sp>
         <p:nvSpPr>
-          <p:cNvPr id="2" name="Titel 1"/>
-          <p:cNvSpPr>
-            <a:spLocks noGrp="1"/>
-          </p:cNvSpPr>
-          <p:nvPr>
-            <p:ph type="title"/>
+          <p:cNvPr id="8" name="Titel 7"/>
+          <p:cNvSpPr>
+            <a:spLocks noGrp="1"/>
+          </p:cNvSpPr>
+          <p:nvPr>
+            <p:ph type="ctrTitle"/>
           </p:nvPr>
         </p:nvSpPr>
         <p:spPr/>
@@ -5250,54 +4967,19 @@
           <a:p>
             <a:r>
               <a:rPr lang="nl-NL" dirty="0"/>
-              <a:t>Taakverdeling</a:t>
-            </a:r>
-          </a:p>
-        </p:txBody>
-      </p:sp>
-      <p:sp>
-        <p:nvSpPr>
-          <p:cNvPr id="3" name="Tijdelijke aanduiding voor inhoud 2"/>
-          <p:cNvSpPr>
-            <a:spLocks noGrp="1"/>
-          </p:cNvSpPr>
-          <p:nvPr>
-            <p:ph idx="1"/>
-          </p:nvPr>
-        </p:nvSpPr>
-        <p:spPr/>
-        <p:txBody>
-          <a:bodyPr>
-            <a:normAutofit/>
-          </a:bodyPr>
-          <a:lstStyle/>
-          <a:p>
-            <a:r>
-              <a:rPr lang="nl-NL" dirty="0"/>
-              <a:t>Hannes</a:t>
-            </a:r>
-          </a:p>
-          <a:p>
-            <a:pPr lvl="1"/>
-            <a:r>
-              <a:rPr lang="nl-NL" sz="4000" dirty="0"/>
-              <a:t>QuizRoom Scene</a:t>
-            </a:r>
-          </a:p>
-          <a:p>
-            <a:pPr lvl="1"/>
-            <a:endParaRPr lang="nl-NL" dirty="0"/>
-          </a:p>
-        </p:txBody>
-      </p:sp>
-      <p:sp>
-        <p:nvSpPr>
-          <p:cNvPr id="4" name="Tijdelijke aanduiding voor dianummer 3"/>
-          <p:cNvSpPr>
-            <a:spLocks noGrp="1"/>
-          </p:cNvSpPr>
-          <p:nvPr>
-            <p:ph type="sldNum" sz="quarter" idx="12"/>
+              <a:t>Sprint 2</a:t>
+            </a:r>
+          </a:p>
+        </p:txBody>
+      </p:sp>
+      <p:sp>
+        <p:nvSpPr>
+          <p:cNvPr id="5" name="Slide Number Placeholder 4"/>
+          <p:cNvSpPr>
+            <a:spLocks noGrp="1"/>
+          </p:cNvSpPr>
+          <p:nvPr>
+            <p:ph type="sldNum" sz="quarter" idx="4"/>
           </p:nvPr>
         </p:nvSpPr>
         <p:spPr/>
@@ -5306,17 +4988,18 @@
           <a:lstStyle/>
           <a:p>
             <a:fld id="{7AE184E0-0BD4-4705-A12B-9B71DDE63301}" type="slidenum">
-              <a:rPr lang="nl-BE" noProof="0" smtClean="0"/>
+              <a:rPr lang="nl-BE" smtClean="0"/>
+              <a:pPr/>
               <a:t>8</a:t>
             </a:fld>
-            <a:endParaRPr lang="nl-BE" noProof="0" dirty="0"/>
+            <a:endParaRPr lang="nl-BE" dirty="0"/>
           </a:p>
         </p:txBody>
       </p:sp>
     </p:spTree>
     <p:extLst>
       <p:ext uri="{BB962C8B-B14F-4D97-AF65-F5344CB8AC3E}">
-        <p14:creationId xmlns:p14="http://schemas.microsoft.com/office/powerpoint/2010/main" val="3960126322"/>
+        <p14:creationId xmlns:p14="http://schemas.microsoft.com/office/powerpoint/2010/main" val="1953289091"/>
       </p:ext>
     </p:extLst>
   </p:cSld>
@@ -5360,7 +5043,7 @@
           <a:p>
             <a:r>
               <a:rPr lang="nl-NL" dirty="0"/>
-              <a:t>Taakverdeling</a:t>
+              <a:t>Algemeen</a:t>
             </a:r>
           </a:p>
         </p:txBody>
@@ -5384,22 +5067,42 @@
           <a:p>
             <a:r>
               <a:rPr lang="nl-NL" dirty="0"/>
-              <a:t>Emiel</a:t>
-            </a:r>
-          </a:p>
-          <a:p>
-            <a:pPr lvl="1"/>
-            <a:r>
-              <a:rPr lang="nl-NL" sz="4000" dirty="0"/>
-              <a:t>Voting System</a:t>
-            </a:r>
-          </a:p>
-          <a:p>
-            <a:pPr lvl="1"/>
-            <a:endParaRPr lang="nl-NL" sz="4000" dirty="0"/>
-          </a:p>
-          <a:p>
-            <a:pPr lvl="1"/>
+              <a:t>Team chat</a:t>
+            </a:r>
+          </a:p>
+          <a:p>
+            <a:r>
+              <a:rPr lang="nl-NL" dirty="0"/>
+              <a:t>2</a:t>
+            </a:r>
+            <a:r>
+              <a:rPr lang="nl-NL" baseline="30000" dirty="0"/>
+              <a:t>de</a:t>
+            </a:r>
+            <a:r>
+              <a:rPr lang="nl-NL" dirty="0"/>
+              <a:t> soort vraag (InstaPixel)</a:t>
+            </a:r>
+          </a:p>
+          <a:p>
+            <a:r>
+              <a:rPr lang="nl-NL" dirty="0"/>
+              <a:t>Events herordenen</a:t>
+            </a:r>
+          </a:p>
+          <a:p>
+            <a:r>
+              <a:rPr lang="nl-NL" dirty="0"/>
+              <a:t>Tests schrijven</a:t>
+            </a:r>
+          </a:p>
+          <a:p>
+            <a:r>
+              <a:rPr lang="nl-NL" dirty="0"/>
+              <a:t>Sad flow</a:t>
+            </a:r>
+          </a:p>
+          <a:p>
             <a:endParaRPr lang="nl-NL" dirty="0"/>
           </a:p>
         </p:txBody>
@@ -5430,7 +5133,7 @@
     </p:spTree>
     <p:extLst>
       <p:ext uri="{BB962C8B-B14F-4D97-AF65-F5344CB8AC3E}">
-        <p14:creationId xmlns:p14="http://schemas.microsoft.com/office/powerpoint/2010/main" val="551903897"/>
+        <p14:creationId xmlns:p14="http://schemas.microsoft.com/office/powerpoint/2010/main" val="907875414"/>
       </p:ext>
     </p:extLst>
   </p:cSld>

--- a/Sprint_1.pptx
+++ b/Sprint_1.pptx
@@ -5,7 +5,7 @@
     <p:sldMasterId id="2147483660" r:id="rId1"/>
   </p:sldMasterIdLst>
   <p:notesMasterIdLst>
-    <p:notesMasterId r:id="rId15"/>
+    <p:notesMasterId r:id="rId18"/>
   </p:notesMasterIdLst>
   <p:sldIdLst>
     <p:sldId id="259" r:id="rId2"/>
@@ -15,12 +15,15 @@
     <p:sldId id="266" r:id="rId6"/>
     <p:sldId id="267" r:id="rId7"/>
     <p:sldId id="268" r:id="rId8"/>
-    <p:sldId id="272" r:id="rId9"/>
-    <p:sldId id="273" r:id="rId10"/>
-    <p:sldId id="275" r:id="rId11"/>
-    <p:sldId id="274" r:id="rId12"/>
-    <p:sldId id="264" r:id="rId13"/>
-    <p:sldId id="276" r:id="rId14"/>
+    <p:sldId id="269" r:id="rId9"/>
+    <p:sldId id="270" r:id="rId10"/>
+    <p:sldId id="271" r:id="rId11"/>
+    <p:sldId id="272" r:id="rId12"/>
+    <p:sldId id="273" r:id="rId13"/>
+    <p:sldId id="275" r:id="rId14"/>
+    <p:sldId id="274" r:id="rId15"/>
+    <p:sldId id="264" r:id="rId16"/>
+    <p:sldId id="276" r:id="rId17"/>
   </p:sldIdLst>
   <p:sldSz cx="17338675" cy="9753600"/>
   <p:notesSz cx="6858000" cy="9144000"/>
@@ -138,10 +141,6 @@
 </p:presentation>
 </file>
 
-<file path=ppt/revisionInfo.xml><?xml version="1.0" encoding="utf-8"?>
-<p1510:revInfo xmlns:a="http://schemas.openxmlformats.org/drawingml/2006/main" xmlns:r="http://schemas.openxmlformats.org/officeDocument/2006/relationships" xmlns:p1510="http://schemas.microsoft.com/office/powerpoint/2015/10/main"/>
-</file>
-
 <file path=ppt/notesMasters/notesMaster1.xml><?xml version="1.0" encoding="utf-8"?>
 <p:notesMaster xmlns:a="http://schemas.openxmlformats.org/drawingml/2006/main" xmlns:r="http://schemas.openxmlformats.org/officeDocument/2006/relationships" xmlns:p="http://schemas.openxmlformats.org/presentationml/2006/main">
   <p:cSld>
@@ -224,7 +223,7 @@
           <a:p>
             <a:fld id="{86680C0C-85DF-417F-8238-DB0D15743621}" type="datetimeFigureOut">
               <a:rPr lang="en-GB" smtClean="0"/>
-              <a:t>19/04/2018</a:t>
+              <a:t>18/04/2018</a:t>
             </a:fld>
             <a:endParaRPr lang="en-GB"/>
           </a:p>
@@ -383,7 +382,7 @@
           <a:p>
             <a:fld id="{539A0A48-EDB1-4AFE-B1B7-10CE2A416496}" type="slidenum">
               <a:rPr lang="en-GB" smtClean="0"/>
-              <a:t>‹nr.›</a:t>
+              <a:t>‹#›</a:t>
             </a:fld>
             <a:endParaRPr lang="en-GB"/>
           </a:p>
@@ -809,7 +808,7 @@
           <a:p>
             <a:fld id="{539A0A48-EDB1-4AFE-B1B7-10CE2A416496}" type="slidenum">
               <a:rPr lang="en-GB" smtClean="0"/>
-              <a:t>8</a:t>
+              <a:t>11</a:t>
             </a:fld>
             <a:endParaRPr lang="en-GB"/>
           </a:p>
@@ -862,7 +861,7 @@
           <a:p>
             <a:fld id="{5A24147F-ED97-47AF-A1B3-C82A179CF7F3}" type="datetime1">
               <a:rPr lang="nl-NL" smtClean="0"/>
-              <a:t>19-4-2018</a:t>
+              <a:t>18-4-2018</a:t>
             </a:fld>
             <a:endParaRPr lang="en-GB"/>
           </a:p>
@@ -904,7 +903,7 @@
           <a:p>
             <a:fld id="{7AE184E0-0BD4-4705-A12B-9B71DDE63301}" type="slidenum">
               <a:rPr lang="en-GB" smtClean="0"/>
-              <a:t>‹nr.›</a:t>
+              <a:t>‹#›</a:t>
             </a:fld>
             <a:endParaRPr lang="en-GB"/>
           </a:p>
@@ -1687,7 +1686,7 @@
             <a:fld id="{7AE184E0-0BD4-4705-A12B-9B71DDE63301}" type="slidenum">
               <a:rPr lang="nl-BE" noProof="0" smtClean="0"/>
               <a:pPr/>
-              <a:t>‹nr.›</a:t>
+              <a:t>‹#›</a:t>
             </a:fld>
             <a:endParaRPr lang="nl-BE" noProof="0" dirty="0"/>
           </a:p>
@@ -1940,7 +1939,7 @@
           <a:p>
             <a:fld id="{25470885-0B31-4E06-AE71-7E16801F2838}" type="datetime1">
               <a:rPr lang="nl-BE" noProof="0" smtClean="0"/>
-              <a:t>19/04/2018</a:t>
+              <a:t>18/04/2018</a:t>
             </a:fld>
             <a:endParaRPr lang="nl-BE" noProof="0" dirty="0"/>
           </a:p>
@@ -1982,7 +1981,7 @@
           <a:p>
             <a:fld id="{7AE184E0-0BD4-4705-A12B-9B71DDE63301}" type="slidenum">
               <a:rPr lang="nl-BE" noProof="0" smtClean="0"/>
-              <a:t>‹nr.›</a:t>
+              <a:t>‹#›</a:t>
             </a:fld>
             <a:endParaRPr lang="nl-BE" noProof="0" dirty="0"/>
           </a:p>
@@ -2058,7 +2057,7 @@
           <a:p>
             <a:fld id="{E7410F60-8C93-4C37-B51A-4DDAE36F7E9B}" type="datetime1">
               <a:rPr lang="nl-BE" noProof="0" smtClean="0"/>
-              <a:t>19/04/2018</a:t>
+              <a:t>18/04/2018</a:t>
             </a:fld>
             <a:endParaRPr lang="nl-BE" noProof="0" dirty="0"/>
           </a:p>
@@ -2155,7 +2154,7 @@
             <a:fld id="{7AE184E0-0BD4-4705-A12B-9B71DDE63301}" type="slidenum">
               <a:rPr lang="nl-BE" noProof="0" smtClean="0"/>
               <a:pPr/>
-              <a:t>‹nr.›</a:t>
+              <a:t>‹#›</a:t>
             </a:fld>
             <a:endParaRPr lang="nl-BE" noProof="0" dirty="0"/>
           </a:p>
@@ -2337,7 +2336,7 @@
           <a:p>
             <a:fld id="{656594B6-17DF-4759-A7A5-128AFEA77F2C}" type="datetime1">
               <a:rPr lang="nl-BE" noProof="0" smtClean="0"/>
-              <a:t>19/04/2018</a:t>
+              <a:t>18/04/2018</a:t>
             </a:fld>
             <a:endParaRPr lang="nl-BE" noProof="0" dirty="0"/>
           </a:p>
@@ -2379,7 +2378,7 @@
           <a:p>
             <a:fld id="{7AE184E0-0BD4-4705-A12B-9B71DDE63301}" type="slidenum">
               <a:rPr lang="nl-BE" noProof="0" smtClean="0"/>
-              <a:t>‹nr.›</a:t>
+              <a:t>‹#›</a:t>
             </a:fld>
             <a:endParaRPr lang="nl-BE" noProof="0" dirty="0"/>
           </a:p>
@@ -2478,7 +2477,7 @@
           <a:p>
             <a:fld id="{66A81384-1200-4D40-BEF0-3A17A1F906F4}" type="datetime1">
               <a:rPr lang="nl-NL" noProof="0" smtClean="0"/>
-              <a:t>19-4-2018</a:t>
+              <a:t>18-4-2018</a:t>
             </a:fld>
             <a:endParaRPr lang="nl-NL" noProof="0" dirty="0"/>
           </a:p>
@@ -3019,7 +3018,7 @@
           <a:p>
             <a:fld id="{FA870D1A-A3AB-4E9F-892E-C45B5A80FDBF}" type="datetime1">
               <a:rPr lang="nl-BE" noProof="0" smtClean="0"/>
-              <a:t>19/04/2018</a:t>
+              <a:t>18/04/2018</a:t>
             </a:fld>
             <a:endParaRPr lang="nl-BE" noProof="0" dirty="0"/>
           </a:p>
@@ -3096,7 +3095,7 @@
             <a:fld id="{7AE184E0-0BD4-4705-A12B-9B71DDE63301}" type="slidenum">
               <a:rPr lang="nl-BE" noProof="0" smtClean="0"/>
               <a:pPr/>
-              <a:t>‹nr.›</a:t>
+              <a:t>‹#›</a:t>
             </a:fld>
             <a:endParaRPr lang="nl-BE" noProof="0" dirty="0"/>
           </a:p>
@@ -3734,7 +3733,7 @@
           <a:p>
             <a:r>
               <a:rPr lang="nl-NL" dirty="0"/>
-              <a:t>User Stories</a:t>
+              <a:t>Taakverdeling</a:t>
             </a:r>
           </a:p>
         </p:txBody>
@@ -3752,20 +3751,74 @@
         <p:spPr/>
         <p:txBody>
           <a:bodyPr>
-            <a:normAutofit/>
+            <a:normAutofit lnSpcReduction="10000"/>
           </a:bodyPr>
           <a:lstStyle/>
           <a:p>
             <a:r>
               <a:rPr lang="nl-NL" dirty="0"/>
-              <a:t>Log in (opgeslagen accounts)</a:t>
-            </a:r>
-          </a:p>
-          <a:p>
-            <a:r>
-              <a:rPr lang="nl-NL" dirty="0"/>
-              <a:t>Prijsuitreiking</a:t>
-            </a:r>
+              <a:t>Garben</a:t>
+            </a:r>
+          </a:p>
+          <a:p>
+            <a:pPr lvl="1"/>
+            <a:r>
+              <a:rPr lang="nl-NL" sz="4000" dirty="0"/>
+              <a:t>User Model</a:t>
+            </a:r>
+          </a:p>
+          <a:p>
+            <a:pPr lvl="1"/>
+            <a:r>
+              <a:rPr lang="nl-NL" sz="4000" dirty="0"/>
+              <a:t>Quiz Model</a:t>
+            </a:r>
+          </a:p>
+          <a:p>
+            <a:pPr lvl="1"/>
+            <a:r>
+              <a:rPr lang="nl-NL" sz="4000" dirty="0"/>
+              <a:t>Create Account Scene</a:t>
+            </a:r>
+          </a:p>
+          <a:p>
+            <a:pPr lvl="1"/>
+            <a:r>
+              <a:rPr lang="nl-NL" sz="4000" dirty="0"/>
+              <a:t>Mode Selector Scene</a:t>
+            </a:r>
+          </a:p>
+          <a:p>
+            <a:pPr lvl="1"/>
+            <a:r>
+              <a:rPr lang="nl-NL" sz="4000" dirty="0"/>
+              <a:t>Create Quiz Scene</a:t>
+            </a:r>
+          </a:p>
+          <a:p>
+            <a:pPr lvl="1"/>
+            <a:r>
+              <a:rPr lang="nl-NL" sz="4000" dirty="0"/>
+              <a:t>Join Quiz Scene</a:t>
+            </a:r>
+          </a:p>
+          <a:p>
+            <a:pPr lvl="1"/>
+            <a:r>
+              <a:rPr lang="nl-NL" sz="4000" dirty="0"/>
+              <a:t>Main</a:t>
+            </a:r>
+          </a:p>
+          <a:p>
+            <a:pPr lvl="1"/>
+            <a:r>
+              <a:rPr lang="nl-NL" sz="4000" dirty="0"/>
+              <a:t>Context</a:t>
+            </a:r>
+          </a:p>
+          <a:p>
+            <a:pPr lvl="1"/>
+            <a:endParaRPr lang="nl-NL" dirty="0"/>
           </a:p>
         </p:txBody>
       </p:sp>
@@ -3795,7 +3848,7 @@
     </p:spTree>
     <p:extLst>
       <p:ext uri="{BB962C8B-B14F-4D97-AF65-F5344CB8AC3E}">
-        <p14:creationId xmlns:p14="http://schemas.microsoft.com/office/powerpoint/2010/main" val="3983678525"/>
+        <p14:creationId xmlns:p14="http://schemas.microsoft.com/office/powerpoint/2010/main" val="667196800"/>
       </p:ext>
     </p:extLst>
   </p:cSld>
@@ -3824,6 +3877,82 @@
       </p:grpSpPr>
       <p:sp>
         <p:nvSpPr>
+          <p:cNvPr id="8" name="Titel 7"/>
+          <p:cNvSpPr>
+            <a:spLocks noGrp="1"/>
+          </p:cNvSpPr>
+          <p:nvPr>
+            <p:ph type="ctrTitle"/>
+          </p:nvPr>
+        </p:nvSpPr>
+        <p:spPr/>
+        <p:txBody>
+          <a:bodyPr/>
+          <a:lstStyle/>
+          <a:p>
+            <a:r>
+              <a:rPr lang="nl-NL" dirty="0"/>
+              <a:t>Sprint 2</a:t>
+            </a:r>
+          </a:p>
+        </p:txBody>
+      </p:sp>
+      <p:sp>
+        <p:nvSpPr>
+          <p:cNvPr id="5" name="Slide Number Placeholder 4"/>
+          <p:cNvSpPr>
+            <a:spLocks noGrp="1"/>
+          </p:cNvSpPr>
+          <p:nvPr>
+            <p:ph type="sldNum" sz="quarter" idx="4"/>
+          </p:nvPr>
+        </p:nvSpPr>
+        <p:spPr/>
+        <p:txBody>
+          <a:bodyPr/>
+          <a:lstStyle/>
+          <a:p>
+            <a:fld id="{7AE184E0-0BD4-4705-A12B-9B71DDE63301}" type="slidenum">
+              <a:rPr lang="nl-BE" smtClean="0"/>
+              <a:pPr/>
+              <a:t>11</a:t>
+            </a:fld>
+            <a:endParaRPr lang="nl-BE" dirty="0"/>
+          </a:p>
+        </p:txBody>
+      </p:sp>
+    </p:spTree>
+    <p:extLst>
+      <p:ext uri="{BB962C8B-B14F-4D97-AF65-F5344CB8AC3E}">
+        <p14:creationId xmlns:p14="http://schemas.microsoft.com/office/powerpoint/2010/main" val="1953289091"/>
+      </p:ext>
+    </p:extLst>
+  </p:cSld>
+  <p:clrMapOvr>
+    <a:masterClrMapping/>
+  </p:clrMapOvr>
+</p:sld>
+</file>
+
+<file path=ppt/slides/slide12.xml><?xml version="1.0" encoding="utf-8"?>
+<p:sld xmlns:a="http://schemas.openxmlformats.org/drawingml/2006/main" xmlns:r="http://schemas.openxmlformats.org/officeDocument/2006/relationships" xmlns:p="http://schemas.openxmlformats.org/presentationml/2006/main">
+  <p:cSld>
+    <p:spTree>
+      <p:nvGrpSpPr>
+        <p:cNvPr id="1" name=""/>
+        <p:cNvGrpSpPr/>
+        <p:nvPr/>
+      </p:nvGrpSpPr>
+      <p:grpSpPr>
+        <a:xfrm>
+          <a:off x="0" y="0"/>
+          <a:ext cx="0" cy="0"/>
+          <a:chOff x="0" y="0"/>
+          <a:chExt cx="0" cy="0"/>
+        </a:xfrm>
+      </p:grpSpPr>
+      <p:sp>
+        <p:nvSpPr>
           <p:cNvPr id="2" name="Titel 1"/>
           <p:cNvSpPr>
             <a:spLocks noGrp="1"/>
@@ -3839,7 +3968,7 @@
           <a:p>
             <a:r>
               <a:rPr lang="nl-NL" dirty="0"/>
-              <a:t>TaakVerdeling</a:t>
+              <a:t>Algemeen</a:t>
             </a:r>
           </a:p>
         </p:txBody>
@@ -3863,6 +3992,239 @@
           <a:p>
             <a:r>
               <a:rPr lang="nl-NL" dirty="0"/>
+              <a:t>Team chat</a:t>
+            </a:r>
+          </a:p>
+          <a:p>
+            <a:r>
+              <a:rPr lang="nl-NL" dirty="0"/>
+              <a:t>2</a:t>
+            </a:r>
+            <a:r>
+              <a:rPr lang="nl-NL" baseline="30000" dirty="0"/>
+              <a:t>de</a:t>
+            </a:r>
+            <a:r>
+              <a:rPr lang="nl-NL" dirty="0"/>
+              <a:t> soort vraag (InstaPixel)</a:t>
+            </a:r>
+          </a:p>
+          <a:p>
+            <a:r>
+              <a:rPr lang="nl-NL" dirty="0"/>
+              <a:t>Events herordenen</a:t>
+            </a:r>
+          </a:p>
+          <a:p>
+            <a:r>
+              <a:rPr lang="nl-NL" dirty="0"/>
+              <a:t>Tests schrijven</a:t>
+            </a:r>
+          </a:p>
+          <a:p>
+            <a:endParaRPr lang="nl-NL" dirty="0"/>
+          </a:p>
+        </p:txBody>
+      </p:sp>
+      <p:sp>
+        <p:nvSpPr>
+          <p:cNvPr id="4" name="Tijdelijke aanduiding voor dianummer 3"/>
+          <p:cNvSpPr>
+            <a:spLocks noGrp="1"/>
+          </p:cNvSpPr>
+          <p:nvPr>
+            <p:ph type="sldNum" sz="quarter" idx="12"/>
+          </p:nvPr>
+        </p:nvSpPr>
+        <p:spPr/>
+        <p:txBody>
+          <a:bodyPr/>
+          <a:lstStyle/>
+          <a:p>
+            <a:fld id="{7AE184E0-0BD4-4705-A12B-9B71DDE63301}" type="slidenum">
+              <a:rPr lang="nl-BE" noProof="0" smtClean="0"/>
+              <a:t>12</a:t>
+            </a:fld>
+            <a:endParaRPr lang="nl-BE" noProof="0" dirty="0"/>
+          </a:p>
+        </p:txBody>
+      </p:sp>
+    </p:spTree>
+    <p:extLst>
+      <p:ext uri="{BB962C8B-B14F-4D97-AF65-F5344CB8AC3E}">
+        <p14:creationId xmlns:p14="http://schemas.microsoft.com/office/powerpoint/2010/main" val="907875414"/>
+      </p:ext>
+    </p:extLst>
+  </p:cSld>
+  <p:clrMapOvr>
+    <a:masterClrMapping/>
+  </p:clrMapOvr>
+</p:sld>
+</file>
+
+<file path=ppt/slides/slide13.xml><?xml version="1.0" encoding="utf-8"?>
+<p:sld xmlns:a="http://schemas.openxmlformats.org/drawingml/2006/main" xmlns:r="http://schemas.openxmlformats.org/officeDocument/2006/relationships" xmlns:p="http://schemas.openxmlformats.org/presentationml/2006/main">
+  <p:cSld>
+    <p:spTree>
+      <p:nvGrpSpPr>
+        <p:cNvPr id="1" name=""/>
+        <p:cNvGrpSpPr/>
+        <p:nvPr/>
+      </p:nvGrpSpPr>
+      <p:grpSpPr>
+        <a:xfrm>
+          <a:off x="0" y="0"/>
+          <a:ext cx="0" cy="0"/>
+          <a:chOff x="0" y="0"/>
+          <a:chExt cx="0" cy="0"/>
+        </a:xfrm>
+      </p:grpSpPr>
+      <p:sp>
+        <p:nvSpPr>
+          <p:cNvPr id="2" name="Titel 1"/>
+          <p:cNvSpPr>
+            <a:spLocks noGrp="1"/>
+          </p:cNvSpPr>
+          <p:nvPr>
+            <p:ph type="title"/>
+          </p:nvPr>
+        </p:nvSpPr>
+        <p:spPr/>
+        <p:txBody>
+          <a:bodyPr/>
+          <a:lstStyle/>
+          <a:p>
+            <a:r>
+              <a:rPr lang="nl-NL" dirty="0"/>
+              <a:t>User Stories</a:t>
+            </a:r>
+          </a:p>
+        </p:txBody>
+      </p:sp>
+      <p:sp>
+        <p:nvSpPr>
+          <p:cNvPr id="3" name="Tijdelijke aanduiding voor inhoud 2"/>
+          <p:cNvSpPr>
+            <a:spLocks noGrp="1"/>
+          </p:cNvSpPr>
+          <p:nvPr>
+            <p:ph idx="1"/>
+          </p:nvPr>
+        </p:nvSpPr>
+        <p:spPr/>
+        <p:txBody>
+          <a:bodyPr>
+            <a:normAutofit/>
+          </a:bodyPr>
+          <a:lstStyle/>
+          <a:p>
+            <a:r>
+              <a:rPr lang="nl-NL" dirty="0"/>
+              <a:t>Log in (opgeslagen accounts)</a:t>
+            </a:r>
+          </a:p>
+          <a:p>
+            <a:r>
+              <a:rPr lang="nl-NL" dirty="0"/>
+              <a:t>Prijsuitreiking</a:t>
+            </a:r>
+          </a:p>
+        </p:txBody>
+      </p:sp>
+      <p:sp>
+        <p:nvSpPr>
+          <p:cNvPr id="4" name="Tijdelijke aanduiding voor dianummer 3"/>
+          <p:cNvSpPr>
+            <a:spLocks noGrp="1"/>
+          </p:cNvSpPr>
+          <p:nvPr>
+            <p:ph type="sldNum" sz="quarter" idx="12"/>
+          </p:nvPr>
+        </p:nvSpPr>
+        <p:spPr/>
+        <p:txBody>
+          <a:bodyPr/>
+          <a:lstStyle/>
+          <a:p>
+            <a:fld id="{7AE184E0-0BD4-4705-A12B-9B71DDE63301}" type="slidenum">
+              <a:rPr lang="nl-BE" noProof="0" smtClean="0"/>
+              <a:t>13</a:t>
+            </a:fld>
+            <a:endParaRPr lang="nl-BE" noProof="0" dirty="0"/>
+          </a:p>
+        </p:txBody>
+      </p:sp>
+    </p:spTree>
+    <p:extLst>
+      <p:ext uri="{BB962C8B-B14F-4D97-AF65-F5344CB8AC3E}">
+        <p14:creationId xmlns:p14="http://schemas.microsoft.com/office/powerpoint/2010/main" val="3983678525"/>
+      </p:ext>
+    </p:extLst>
+  </p:cSld>
+  <p:clrMapOvr>
+    <a:masterClrMapping/>
+  </p:clrMapOvr>
+</p:sld>
+</file>
+
+<file path=ppt/slides/slide14.xml><?xml version="1.0" encoding="utf-8"?>
+<p:sld xmlns:a="http://schemas.openxmlformats.org/drawingml/2006/main" xmlns:r="http://schemas.openxmlformats.org/officeDocument/2006/relationships" xmlns:p="http://schemas.openxmlformats.org/presentationml/2006/main">
+  <p:cSld>
+    <p:spTree>
+      <p:nvGrpSpPr>
+        <p:cNvPr id="1" name=""/>
+        <p:cNvGrpSpPr/>
+        <p:nvPr/>
+      </p:nvGrpSpPr>
+      <p:grpSpPr>
+        <a:xfrm>
+          <a:off x="0" y="0"/>
+          <a:ext cx="0" cy="0"/>
+          <a:chOff x="0" y="0"/>
+          <a:chExt cx="0" cy="0"/>
+        </a:xfrm>
+      </p:grpSpPr>
+      <p:sp>
+        <p:nvSpPr>
+          <p:cNvPr id="2" name="Titel 1"/>
+          <p:cNvSpPr>
+            <a:spLocks noGrp="1"/>
+          </p:cNvSpPr>
+          <p:nvPr>
+            <p:ph type="title"/>
+          </p:nvPr>
+        </p:nvSpPr>
+        <p:spPr/>
+        <p:txBody>
+          <a:bodyPr/>
+          <a:lstStyle/>
+          <a:p>
+            <a:r>
+              <a:rPr lang="nl-NL" dirty="0"/>
+              <a:t>TaakVerdeling</a:t>
+            </a:r>
+          </a:p>
+        </p:txBody>
+      </p:sp>
+      <p:sp>
+        <p:nvSpPr>
+          <p:cNvPr id="3" name="Tijdelijke aanduiding voor inhoud 2"/>
+          <p:cNvSpPr>
+            <a:spLocks noGrp="1"/>
+          </p:cNvSpPr>
+          <p:nvPr>
+            <p:ph idx="1"/>
+          </p:nvPr>
+        </p:nvSpPr>
+        <p:spPr/>
+        <p:txBody>
+          <a:bodyPr>
+            <a:normAutofit/>
+          </a:bodyPr>
+          <a:lstStyle/>
+          <a:p>
+            <a:r>
+              <a:rPr lang="nl-NL" dirty="0"/>
               <a:t>Arthur</a:t>
             </a:r>
           </a:p>
@@ -3882,8 +4244,8 @@
           <a:p>
             <a:pPr lvl="1"/>
             <a:r>
-              <a:rPr lang="nl-NL" sz="4400" dirty="0"/>
-              <a:t>Quizmaster view </a:t>
+              <a:rPr lang="nl-NL" sz="4000" dirty="0"/>
+              <a:t>InstaPixel</a:t>
             </a:r>
           </a:p>
           <a:p>
@@ -3895,17 +4257,15 @@
           <a:p>
             <a:pPr lvl="1"/>
             <a:r>
-              <a:rPr lang="nl-NL" sz="4000" dirty="0" err="1"/>
-              <a:t>InstaPixel</a:t>
-            </a:r>
-            <a:endParaRPr lang="nl-NL" sz="4000" dirty="0"/>
-          </a:p>
-          <a:p>
-            <a:r>
-              <a:rPr lang="nl-NL" dirty="0" err="1"/>
+              <a:rPr lang="nl-NL" sz="4000" dirty="0"/>
+              <a:t>Prijsuitreiking</a:t>
+            </a:r>
+          </a:p>
+          <a:p>
+            <a:r>
+              <a:rPr lang="nl-NL" dirty="0"/>
               <a:t>Garben</a:t>
             </a:r>
-            <a:endParaRPr lang="nl-NL" dirty="0"/>
           </a:p>
           <a:p>
             <a:pPr lvl="1"/>
@@ -3937,7 +4297,7 @@
           <a:p>
             <a:fld id="{7AE184E0-0BD4-4705-A12B-9B71DDE63301}" type="slidenum">
               <a:rPr lang="nl-BE" noProof="0" smtClean="0"/>
-              <a:t>11</a:t>
+              <a:t>14</a:t>
             </a:fld>
             <a:endParaRPr lang="nl-BE" noProof="0" dirty="0"/>
           </a:p>
@@ -3956,7 +4316,7 @@
 </p:sld>
 </file>
 
-<file path=ppt/slides/slide12.xml><?xml version="1.0" encoding="utf-8"?>
+<file path=ppt/slides/slide15.xml><?xml version="1.0" encoding="utf-8"?>
 <p:sld xmlns:a="http://schemas.openxmlformats.org/drawingml/2006/main" xmlns:r="http://schemas.openxmlformats.org/officeDocument/2006/relationships" xmlns:p="http://schemas.openxmlformats.org/presentationml/2006/main">
   <p:cSld>
     <p:spTree>
@@ -4212,7 +4572,7 @@
 </p:sld>
 </file>
 
-<file path=ppt/slides/slide13.xml><?xml version="1.0" encoding="utf-8"?>
+<file path=ppt/slides/slide16.xml><?xml version="1.0" encoding="utf-8"?>
 <p:sld xmlns:a="http://schemas.openxmlformats.org/drawingml/2006/main" xmlns:r="http://schemas.openxmlformats.org/officeDocument/2006/relationships" xmlns:p="http://schemas.openxmlformats.org/presentationml/2006/main">
   <p:cSld>
     <p:spTree>
@@ -4791,12 +5151,7 @@
             <p:ph idx="1"/>
           </p:nvPr>
         </p:nvSpPr>
-        <p:spPr>
-          <a:xfrm>
-            <a:off x="835825" y="1194364"/>
-            <a:ext cx="16199572" cy="7085340"/>
-          </a:xfrm>
-        </p:spPr>
+        <p:spPr/>
         <p:txBody>
           <a:bodyPr>
             <a:normAutofit/>
@@ -4811,89 +5166,17 @@
           <a:p>
             <a:pPr lvl="1"/>
             <a:r>
-              <a:rPr lang="nl-NL" sz="4000" dirty="0" err="1"/>
-              <a:t>ScoreBoard</a:t>
-            </a:r>
-            <a:r>
               <a:rPr lang="nl-NL" sz="4000" dirty="0"/>
-              <a:t> + </a:t>
-            </a:r>
-            <a:r>
-              <a:rPr lang="nl-NL" sz="4000" dirty="0" err="1"/>
-              <a:t>network</a:t>
-            </a:r>
+              <a:t>ScoreBoard Scene</a:t>
+            </a:r>
+          </a:p>
+          <a:p>
+            <a:pPr lvl="1"/>
             <a:r>
               <a:rPr lang="nl-NL" sz="4000" dirty="0"/>
-              <a:t>: </a:t>
-            </a:r>
-            <a:r>
-              <a:rPr lang="nl-NL" sz="4000" dirty="0" err="1"/>
-              <a:t>client</a:t>
-            </a:r>
-            <a:r>
-              <a:rPr lang="nl-NL" sz="4000" dirty="0"/>
-              <a:t> - server</a:t>
-            </a:r>
-          </a:p>
-          <a:p>
-            <a:r>
-              <a:rPr lang="nl-NL" sz="4400" dirty="0"/>
-              <a:t>Hannes</a:t>
-            </a:r>
-          </a:p>
-          <a:p>
-            <a:pPr lvl="1"/>
-            <a:r>
-              <a:rPr lang="nl-NL" sz="4000" dirty="0"/>
-              <a:t>Quizroom</a:t>
-            </a:r>
-          </a:p>
-          <a:p>
-            <a:r>
-              <a:rPr lang="nl-NL" sz="4000" dirty="0"/>
-              <a:t>Emiel</a:t>
-            </a:r>
-          </a:p>
-          <a:p>
-            <a:pPr lvl="1"/>
-            <a:r>
-              <a:rPr lang="nl-NL" sz="4000" dirty="0"/>
-              <a:t>Question form</a:t>
-            </a:r>
-          </a:p>
-          <a:p>
-            <a:r>
-              <a:rPr lang="nl-NL" sz="4000" dirty="0" err="1"/>
-              <a:t>Garben</a:t>
-            </a:r>
-            <a:endParaRPr lang="nl-NL" sz="4000" dirty="0"/>
-          </a:p>
-          <a:p>
-            <a:pPr lvl="1"/>
-            <a:r>
-              <a:rPr lang="nl-NL" sz="4000" dirty="0"/>
-              <a:t>Log in + quiz </a:t>
-            </a:r>
-            <a:r>
-              <a:rPr lang="nl-NL" sz="4000" dirty="0" err="1"/>
-              <a:t>create</a:t>
-            </a:r>
-            <a:r>
-              <a:rPr lang="nl-NL" sz="4000" dirty="0"/>
-              <a:t>/</a:t>
-            </a:r>
-            <a:r>
-              <a:rPr lang="nl-NL" sz="4000" dirty="0" err="1"/>
-              <a:t>join</a:t>
-            </a:r>
-            <a:endParaRPr lang="nl-NL" sz="4000" dirty="0"/>
-          </a:p>
-          <a:p>
-            <a:endParaRPr lang="nl-NL" sz="4000" dirty="0"/>
-          </a:p>
-          <a:p>
-            <a:pPr lvl="1"/>
-            <a:endParaRPr lang="nl-NL" sz="4000" dirty="0"/>
+              <a:t>Chat</a:t>
+            </a:r>
+            <a:endParaRPr lang="nl-NL" dirty="0"/>
           </a:p>
         </p:txBody>
       </p:sp>
@@ -4952,12 +5235,12 @@
       </p:grpSpPr>
       <p:sp>
         <p:nvSpPr>
-          <p:cNvPr id="8" name="Titel 7"/>
-          <p:cNvSpPr>
-            <a:spLocks noGrp="1"/>
-          </p:cNvSpPr>
-          <p:nvPr>
-            <p:ph type="ctrTitle"/>
+          <p:cNvPr id="2" name="Titel 1"/>
+          <p:cNvSpPr>
+            <a:spLocks noGrp="1"/>
+          </p:cNvSpPr>
+          <p:nvPr>
+            <p:ph type="title"/>
           </p:nvPr>
         </p:nvSpPr>
         <p:spPr/>
@@ -4967,19 +5250,54 @@
           <a:p>
             <a:r>
               <a:rPr lang="nl-NL" dirty="0"/>
-              <a:t>Sprint 2</a:t>
-            </a:r>
-          </a:p>
-        </p:txBody>
-      </p:sp>
-      <p:sp>
-        <p:nvSpPr>
-          <p:cNvPr id="5" name="Slide Number Placeholder 4"/>
-          <p:cNvSpPr>
-            <a:spLocks noGrp="1"/>
-          </p:cNvSpPr>
-          <p:nvPr>
-            <p:ph type="sldNum" sz="quarter" idx="4"/>
+              <a:t>Taakverdeling</a:t>
+            </a:r>
+          </a:p>
+        </p:txBody>
+      </p:sp>
+      <p:sp>
+        <p:nvSpPr>
+          <p:cNvPr id="3" name="Tijdelijke aanduiding voor inhoud 2"/>
+          <p:cNvSpPr>
+            <a:spLocks noGrp="1"/>
+          </p:cNvSpPr>
+          <p:nvPr>
+            <p:ph idx="1"/>
+          </p:nvPr>
+        </p:nvSpPr>
+        <p:spPr/>
+        <p:txBody>
+          <a:bodyPr>
+            <a:normAutofit/>
+          </a:bodyPr>
+          <a:lstStyle/>
+          <a:p>
+            <a:r>
+              <a:rPr lang="nl-NL" dirty="0"/>
+              <a:t>Hannes</a:t>
+            </a:r>
+          </a:p>
+          <a:p>
+            <a:pPr lvl="1"/>
+            <a:r>
+              <a:rPr lang="nl-NL" sz="4000" dirty="0"/>
+              <a:t>QuizRoom Scene</a:t>
+            </a:r>
+          </a:p>
+          <a:p>
+            <a:pPr lvl="1"/>
+            <a:endParaRPr lang="nl-NL" dirty="0"/>
+          </a:p>
+        </p:txBody>
+      </p:sp>
+      <p:sp>
+        <p:nvSpPr>
+          <p:cNvPr id="4" name="Tijdelijke aanduiding voor dianummer 3"/>
+          <p:cNvSpPr>
+            <a:spLocks noGrp="1"/>
+          </p:cNvSpPr>
+          <p:nvPr>
+            <p:ph type="sldNum" sz="quarter" idx="12"/>
           </p:nvPr>
         </p:nvSpPr>
         <p:spPr/>
@@ -4988,18 +5306,17 @@
           <a:lstStyle/>
           <a:p>
             <a:fld id="{7AE184E0-0BD4-4705-A12B-9B71DDE63301}" type="slidenum">
-              <a:rPr lang="nl-BE" smtClean="0"/>
-              <a:pPr/>
+              <a:rPr lang="nl-BE" noProof="0" smtClean="0"/>
               <a:t>8</a:t>
             </a:fld>
-            <a:endParaRPr lang="nl-BE" dirty="0"/>
+            <a:endParaRPr lang="nl-BE" noProof="0" dirty="0"/>
           </a:p>
         </p:txBody>
       </p:sp>
     </p:spTree>
     <p:extLst>
       <p:ext uri="{BB962C8B-B14F-4D97-AF65-F5344CB8AC3E}">
-        <p14:creationId xmlns:p14="http://schemas.microsoft.com/office/powerpoint/2010/main" val="1953289091"/>
+        <p14:creationId xmlns:p14="http://schemas.microsoft.com/office/powerpoint/2010/main" val="3960126322"/>
       </p:ext>
     </p:extLst>
   </p:cSld>
@@ -5043,7 +5360,7 @@
           <a:p>
             <a:r>
               <a:rPr lang="nl-NL" dirty="0"/>
-              <a:t>Algemeen</a:t>
+              <a:t>Taakverdeling</a:t>
             </a:r>
           </a:p>
         </p:txBody>
@@ -5067,42 +5384,22 @@
           <a:p>
             <a:r>
               <a:rPr lang="nl-NL" dirty="0"/>
-              <a:t>Team chat</a:t>
-            </a:r>
-          </a:p>
-          <a:p>
-            <a:r>
-              <a:rPr lang="nl-NL" dirty="0"/>
-              <a:t>2</a:t>
-            </a:r>
-            <a:r>
-              <a:rPr lang="nl-NL" baseline="30000" dirty="0"/>
-              <a:t>de</a:t>
-            </a:r>
-            <a:r>
-              <a:rPr lang="nl-NL" dirty="0"/>
-              <a:t> soort vraag (InstaPixel)</a:t>
-            </a:r>
-          </a:p>
-          <a:p>
-            <a:r>
-              <a:rPr lang="nl-NL" dirty="0"/>
-              <a:t>Events herordenen</a:t>
-            </a:r>
-          </a:p>
-          <a:p>
-            <a:r>
-              <a:rPr lang="nl-NL" dirty="0"/>
-              <a:t>Tests schrijven</a:t>
-            </a:r>
-          </a:p>
-          <a:p>
-            <a:r>
-              <a:rPr lang="nl-NL" dirty="0"/>
-              <a:t>Sad flow</a:t>
-            </a:r>
-          </a:p>
-          <a:p>
+              <a:t>Emiel</a:t>
+            </a:r>
+          </a:p>
+          <a:p>
+            <a:pPr lvl="1"/>
+            <a:r>
+              <a:rPr lang="nl-NL" sz="4000" dirty="0"/>
+              <a:t>Voting System</a:t>
+            </a:r>
+          </a:p>
+          <a:p>
+            <a:pPr lvl="1"/>
+            <a:endParaRPr lang="nl-NL" sz="4000" dirty="0"/>
+          </a:p>
+          <a:p>
+            <a:pPr lvl="1"/>
             <a:endParaRPr lang="nl-NL" dirty="0"/>
           </a:p>
         </p:txBody>
@@ -5133,7 +5430,7 @@
     </p:spTree>
     <p:extLst>
       <p:ext uri="{BB962C8B-B14F-4D97-AF65-F5344CB8AC3E}">
-        <p14:creationId xmlns:p14="http://schemas.microsoft.com/office/powerpoint/2010/main" val="907875414"/>
+        <p14:creationId xmlns:p14="http://schemas.microsoft.com/office/powerpoint/2010/main" val="551903897"/>
       </p:ext>
     </p:extLst>
   </p:cSld>
